--- a/présenattion/YOUCODEREST_1.pptx
+++ b/présenattion/YOUCODEREST_1.pptx
@@ -5,10 +5,10 @@
     <p:sldMasterId id="2147483852" r:id="rId4"/>
   </p:sldMasterIdLst>
   <p:notesMasterIdLst>
-    <p:notesMasterId r:id="rId11"/>
+    <p:notesMasterId r:id="rId12"/>
   </p:notesMasterIdLst>
   <p:handoutMasterIdLst>
-    <p:handoutMasterId r:id="rId12"/>
+    <p:handoutMasterId r:id="rId13"/>
   </p:handoutMasterIdLst>
   <p:sldIdLst>
     <p:sldId id="256" r:id="rId5"/>
@@ -16,7 +16,8 @@
     <p:sldId id="277" r:id="rId7"/>
     <p:sldId id="266" r:id="rId8"/>
     <p:sldId id="276" r:id="rId9"/>
-    <p:sldId id="273" r:id="rId10"/>
+    <p:sldId id="278" r:id="rId10"/>
+    <p:sldId id="273" r:id="rId11"/>
   </p:sldIdLst>
   <p:sldSz cx="12192000" cy="6858000"/>
   <p:notesSz cx="6858000" cy="9144000"/>
@@ -2382,7 +2383,7 @@
                 <a14:useLocalDpi xmlns:a14="http://schemas.microsoft.com/office/drawing/2010/main" val="0"/>
               </a:ext>
               <a:ext uri="{96DAC541-7B7A-43D3-8B79-37D633B846F1}">
-                <asvg:svgBlip xmlns="" xmlns:asvg="http://schemas.microsoft.com/office/drawing/2016/SVG/main" r:embed="rId4"/>
+                <asvg:svgBlip xmlns:asvg="http://schemas.microsoft.com/office/drawing/2016/SVG/main" xmlns="" r:embed="rId4"/>
               </a:ext>
             </a:extLst>
           </a:blip>
@@ -2449,7 +2450,7 @@
                 <a14:useLocalDpi xmlns:a14="http://schemas.microsoft.com/office/drawing/2010/main" val="0"/>
               </a:ext>
               <a:ext uri="{96DAC541-7B7A-43D3-8B79-37D633B846F1}">
-                <asvg:svgBlip xmlns="" xmlns:asvg="http://schemas.microsoft.com/office/drawing/2016/SVG/main" r:embed="rId6"/>
+                <asvg:svgBlip xmlns:asvg="http://schemas.microsoft.com/office/drawing/2016/SVG/main" xmlns="" r:embed="rId6"/>
               </a:ext>
             </a:extLst>
           </a:blip>
@@ -3056,7 +3057,7 @@
                 <a14:useLocalDpi xmlns:a14="http://schemas.microsoft.com/office/drawing/2010/main" val="0"/>
               </a:ext>
               <a:ext uri="{96DAC541-7B7A-43D3-8B79-37D633B846F1}">
-                <asvg:svgBlip xmlns="" xmlns:asvg="http://schemas.microsoft.com/office/drawing/2016/SVG/main" r:embed="rId4"/>
+                <asvg:svgBlip xmlns:asvg="http://schemas.microsoft.com/office/drawing/2016/SVG/main" xmlns="" r:embed="rId4"/>
               </a:ext>
             </a:extLst>
           </a:blip>
@@ -3214,7 +3215,7 @@
                 <a14:useLocalDpi xmlns:a14="http://schemas.microsoft.com/office/drawing/2010/main" val="0"/>
               </a:ext>
               <a:ext uri="{96DAC541-7B7A-43D3-8B79-37D633B846F1}">
-                <asvg:svgBlip xmlns="" xmlns:asvg="http://schemas.microsoft.com/office/drawing/2016/SVG/main" r:embed="rId7"/>
+                <asvg:svgBlip xmlns:asvg="http://schemas.microsoft.com/office/drawing/2016/SVG/main" xmlns="" r:embed="rId7"/>
               </a:ext>
             </a:extLst>
           </a:blip>
@@ -3511,7 +3512,7 @@
   </dgm:layoutNode>
   <dgm:extLst>
     <a:ext uri="{68A01E43-0DF5-4B5B-8FA6-DAF915123BFB}">
-      <dgm1612:lstStyle xmlns="" xmlns:dgm1612="http://schemas.microsoft.com/office/drawing/2016/12/diagram">
+      <dgm1612:lstStyle xmlns:dgm1612="http://schemas.microsoft.com/office/drawing/2016/12/diagram" xmlns="">
         <a:lvl1pPr>
           <a:lnSpc>
             <a:spcPct val="100000"/>
@@ -3801,7 +3802,7 @@
   </dgm:layoutNode>
   <dgm:extLst>
     <a:ext uri="{68A01E43-0DF5-4B5B-8FA6-DAF915123BFB}">
-      <dgm1612:lstStyle xmlns="" xmlns:dgm1612="http://schemas.microsoft.com/office/drawing/2016/12/diagram">
+      <dgm1612:lstStyle xmlns:dgm1612="http://schemas.microsoft.com/office/drawing/2016/12/diagram" xmlns="">
         <a:lvl1pPr>
           <a:lnSpc>
             <a:spcPct val="100000"/>
@@ -6837,7 +6838,7 @@
             <a:pPr rtl="0"/>
             <a:fld id="{D2D76E09-41B7-FE4E-B099-04DFD58B8CF1}" type="slidenum">
               <a:rPr lang="fr-FR" noProof="0" smtClean="0"/>
-              <a:t>6</a:t>
+              <a:t>7</a:t>
             </a:fld>
             <a:endParaRPr lang="fr-FR" noProof="0"/>
           </a:p>
@@ -10823,7 +10824,7 @@
                 <a16:creationId xmlns:a16="http://schemas.microsoft.com/office/drawing/2014/main" id="{5C28659E-412C-4600-B45E-BAE370BC24B9}"/>
               </a:ext>
               <a:ext uri="{C183D7F6-B498-43B3-948B-1728B52AA6E4}">
-                <adec:decorative xmlns="" xmlns:adec="http://schemas.microsoft.com/office/drawing/2017/decorative" val="1"/>
+                <adec:decorative xmlns:adec="http://schemas.microsoft.com/office/drawing/2017/decorative" xmlns="" val="1"/>
               </a:ext>
             </a:extLst>
           </p:cNvPr>
@@ -10921,7 +10922,7 @@
                 <a16:creationId xmlns:a16="http://schemas.microsoft.com/office/drawing/2014/main" id="{AE95896B-6905-4618-A7DF-DED8A61FBC83}"/>
               </a:ext>
               <a:ext uri="{C183D7F6-B498-43B3-948B-1728B52AA6E4}">
-                <adec:decorative xmlns="" xmlns:adec="http://schemas.microsoft.com/office/drawing/2017/decorative" val="1"/>
+                <adec:decorative xmlns:adec="http://schemas.microsoft.com/office/drawing/2017/decorative" xmlns="" val="1"/>
               </a:ext>
             </a:extLst>
           </p:cNvPr>
@@ -10986,7 +10987,7 @@
                 <a16:creationId xmlns:a16="http://schemas.microsoft.com/office/drawing/2014/main" id="{7748BD8C-4984-4138-94CA-2DC5F39DC379}"/>
               </a:ext>
               <a:ext uri="{C183D7F6-B498-43B3-948B-1728B52AA6E4}">
-                <adec:decorative xmlns="" xmlns:adec="http://schemas.microsoft.com/office/drawing/2017/decorative" val="1"/>
+                <adec:decorative xmlns:adec="http://schemas.microsoft.com/office/drawing/2017/decorative" xmlns="" val="1"/>
               </a:ext>
             </a:extLst>
           </p:cNvPr>
@@ -11205,7 +11206,7 @@
                 <a16:creationId xmlns:a16="http://schemas.microsoft.com/office/drawing/2014/main" id="{A943D298-0548-4C7A-870B-7594104F8214}"/>
               </a:ext>
               <a:ext uri="{C183D7F6-B498-43B3-948B-1728B52AA6E4}">
-                <adec:decorative xmlns="" xmlns:adec="http://schemas.microsoft.com/office/drawing/2017/decorative" val="1"/>
+                <adec:decorative xmlns:adec="http://schemas.microsoft.com/office/drawing/2017/decorative" xmlns="" val="1"/>
               </a:ext>
             </a:extLst>
           </p:cNvPr>
@@ -11409,7 +11410,7 @@
                 <a16:creationId xmlns:a16="http://schemas.microsoft.com/office/drawing/2014/main" id="{FF7B26C5-D249-4988-B86B-5A3D9E7BD900}"/>
               </a:ext>
               <a:ext uri="{C183D7F6-B498-43B3-948B-1728B52AA6E4}">
-                <adec:decorative xmlns="" xmlns:adec="http://schemas.microsoft.com/office/drawing/2017/decorative" val="1"/>
+                <adec:decorative xmlns:adec="http://schemas.microsoft.com/office/drawing/2017/decorative" xmlns="" val="1"/>
               </a:ext>
             </a:extLst>
           </p:cNvPr>
@@ -11514,7 +11515,7 @@
                 <a16:creationId xmlns:a16="http://schemas.microsoft.com/office/drawing/2014/main" id="{46FDAED0-8B04-4181-B3D3-EA0A93C6659B}"/>
               </a:ext>
               <a:ext uri="{C183D7F6-B498-43B3-948B-1728B52AA6E4}">
-                <adec:decorative xmlns="" xmlns:adec="http://schemas.microsoft.com/office/drawing/2017/decorative" val="1"/>
+                <adec:decorative xmlns:adec="http://schemas.microsoft.com/office/drawing/2017/decorative" xmlns="" val="1"/>
               </a:ext>
             </a:extLst>
           </p:cNvPr>
@@ -11545,7 +11546,7 @@
                   <a16:creationId xmlns:a16="http://schemas.microsoft.com/office/drawing/2014/main" id="{161B6F0D-567B-4CFA-BF50-79FDAC6EBDC8}"/>
                 </a:ext>
                 <a:ext uri="{C183D7F6-B498-43B3-948B-1728B52AA6E4}">
-                  <adec:decorative xmlns="" xmlns:adec="http://schemas.microsoft.com/office/drawing/2017/decorative" val="1"/>
+                  <adec:decorative xmlns:adec="http://schemas.microsoft.com/office/drawing/2017/decorative" xmlns="" val="1"/>
                 </a:ext>
               </a:extLst>
             </p:cNvPr>
@@ -11632,7 +11633,7 @@
                   <a16:creationId xmlns:a16="http://schemas.microsoft.com/office/drawing/2014/main" id="{8CE5D194-0A7E-49A6-B737-F71C1B3960DA}"/>
                 </a:ext>
                 <a:ext uri="{C183D7F6-B498-43B3-948B-1728B52AA6E4}">
-                  <adec:decorative xmlns="" xmlns:adec="http://schemas.microsoft.com/office/drawing/2017/decorative" val="1"/>
+                  <adec:decorative xmlns:adec="http://schemas.microsoft.com/office/drawing/2017/decorative" xmlns="" val="1"/>
                 </a:ext>
               </a:extLst>
             </p:cNvPr>
@@ -15927,7 +15928,7 @@
                 <a16:creationId xmlns:a16="http://schemas.microsoft.com/office/drawing/2014/main" id="{11564CA4-59C9-4DAC-950E-61D1FA278705}"/>
               </a:ext>
               <a:ext uri="{C183D7F6-B498-43B3-948B-1728B52AA6E4}">
-                <adec:decorative xmlns="" xmlns:adec="http://schemas.microsoft.com/office/drawing/2017/decorative" val="1"/>
+                <adec:decorative xmlns:adec="http://schemas.microsoft.com/office/drawing/2017/decorative" xmlns="" val="1"/>
               </a:ext>
             </a:extLst>
           </p:cNvPr>
@@ -16048,7 +16049,7 @@
                 <a16:creationId xmlns:a16="http://schemas.microsoft.com/office/drawing/2014/main" id="{E74380E0-C298-4F18-9189-C236E8B829D3}"/>
               </a:ext>
               <a:ext uri="{C183D7F6-B498-43B3-948B-1728B52AA6E4}">
-                <adec:decorative xmlns="" xmlns:adec="http://schemas.microsoft.com/office/drawing/2017/decorative" val="1"/>
+                <adec:decorative xmlns:adec="http://schemas.microsoft.com/office/drawing/2017/decorative" xmlns="" val="1"/>
               </a:ext>
             </a:extLst>
           </p:cNvPr>
@@ -16079,7 +16080,7 @@
                   <a16:creationId xmlns:a16="http://schemas.microsoft.com/office/drawing/2014/main" id="{979684C7-75DC-42F1-850A-E9C49ECA7391}"/>
                 </a:ext>
                 <a:ext uri="{C183D7F6-B498-43B3-948B-1728B52AA6E4}">
-                  <adec:decorative xmlns="" xmlns:adec="http://schemas.microsoft.com/office/drawing/2017/decorative" val="1"/>
+                  <adec:decorative xmlns:adec="http://schemas.microsoft.com/office/drawing/2017/decorative" xmlns="" val="1"/>
                 </a:ext>
               </a:extLst>
             </p:cNvPr>
@@ -16166,7 +16167,7 @@
                   <a16:creationId xmlns:a16="http://schemas.microsoft.com/office/drawing/2014/main" id="{4130853F-4D98-4539-8461-9F2028367569}"/>
                 </a:ext>
                 <a:ext uri="{C183D7F6-B498-43B3-948B-1728B52AA6E4}">
-                  <adec:decorative xmlns="" xmlns:adec="http://schemas.microsoft.com/office/drawing/2017/decorative" val="1"/>
+                  <adec:decorative xmlns:adec="http://schemas.microsoft.com/office/drawing/2017/decorative" xmlns="" val="1"/>
                 </a:ext>
               </a:extLst>
             </p:cNvPr>
@@ -16297,7 +16298,7 @@
             <p:ph idx="1"/>
             <p:extLst>
               <p:ext uri="{D42A27DB-BD31-4B8C-83A1-F6EECF244321}">
-                <p14:modId xmlns:p14="http://schemas.microsoft.com/office/powerpoint/2010/main" val="3764632755"/>
+                <p14:modId xmlns:p14="http://schemas.microsoft.com/office/powerpoint/2010/main" val="40567919"/>
               </p:ext>
             </p:extLst>
           </p:nvPr>
@@ -16411,48 +16412,6 @@
           <a:chExt cx="0" cy="0"/>
         </a:xfrm>
       </p:grpSpPr>
-      <p:pic>
-        <p:nvPicPr>
-          <p:cNvPr id="9" name="Image 8" descr="Laitue">
-            <a:extLst>
-              <a:ext uri="{FF2B5EF4-FFF2-40B4-BE49-F238E27FC236}">
-                <a16:creationId xmlns:a16="http://schemas.microsoft.com/office/drawing/2014/main" id="{E993FA7A-9A61-804B-A5E4-16683DB6CC47}"/>
-              </a:ext>
-            </a:extLst>
-          </p:cNvPr>
-          <p:cNvPicPr>
-            <a:picLocks noChangeAspect="1"/>
-          </p:cNvPicPr>
-          <p:nvPr/>
-        </p:nvPicPr>
-        <p:blipFill rotWithShape="1">
-          <a:blip r:embed="rId3">
-            <a:duotone>
-              <a:schemeClr val="accent5">
-                <a:shade val="45000"/>
-                <a:satMod val="135000"/>
-              </a:schemeClr>
-              <a:prstClr val="white"/>
-            </a:duotone>
-            <a:extLst>
-              <a:ext uri="{28A0092B-C50C-407E-A947-70E740481C1C}">
-                <a14:useLocalDpi xmlns:a14="http://schemas.microsoft.com/office/drawing/2010/main" val="0"/>
-              </a:ext>
-            </a:extLst>
-          </a:blip>
-          <a:srcRect/>
-          <a:stretch/>
-        </p:blipFill>
-        <p:spPr>
-          <a:xfrm>
-            <a:off x="0" y="10403"/>
-            <a:ext cx="12192000" cy="6857999"/>
-          </a:xfrm>
-          <a:prstGeom prst="rect">
-            <a:avLst/>
-          </a:prstGeom>
-        </p:spPr>
-      </p:pic>
       <p:sp>
         <p:nvSpPr>
           <p:cNvPr id="2" name="Titre 1">
@@ -16487,7 +16446,7 @@
                 <a:solidFill>
                   <a:srgbClr val="C00000"/>
                 </a:solidFill>
-                <a:hlinkClick r:id="rId4"/>
+                <a:hlinkClick r:id="rId3"/>
               </a:rPr>
               <a:t>Interface STATIQUE</a:t>
             </a:r>
@@ -16580,6 +16539,109 @@
 <file path=ppt/slides/slide6.xml><?xml version="1.0" encoding="utf-8"?>
 <p:sld xmlns:a="http://schemas.openxmlformats.org/drawingml/2006/main" xmlns:r="http://schemas.openxmlformats.org/officeDocument/2006/relationships" xmlns:p="http://schemas.openxmlformats.org/presentationml/2006/main">
   <p:cSld>
+    <p:spTree>
+      <p:nvGrpSpPr>
+        <p:cNvPr id="1" name=""/>
+        <p:cNvGrpSpPr/>
+        <p:nvPr/>
+      </p:nvGrpSpPr>
+      <p:grpSpPr>
+        <a:xfrm>
+          <a:off x="0" y="0"/>
+          <a:ext cx="0" cy="0"/>
+          <a:chOff x="0" y="0"/>
+          <a:chExt cx="0" cy="0"/>
+        </a:xfrm>
+      </p:grpSpPr>
+      <p:sp>
+        <p:nvSpPr>
+          <p:cNvPr id="3" name="Espace réservé du contenu 2"/>
+          <p:cNvSpPr>
+            <a:spLocks noGrp="1"/>
+          </p:cNvSpPr>
+          <p:nvPr>
+            <p:ph idx="1"/>
+          </p:nvPr>
+        </p:nvSpPr>
+        <p:spPr>
+          <a:xfrm>
+            <a:off x="2336586" y="2807208"/>
+            <a:ext cx="10058400" cy="4050792"/>
+          </a:xfrm>
+        </p:spPr>
+        <p:txBody>
+          <a:bodyPr>
+            <a:normAutofit/>
+          </a:bodyPr>
+          <a:lstStyle/>
+          <a:p>
+            <a:pPr marL="0" indent="0">
+              <a:buNone/>
+            </a:pPr>
+            <a:r>
+              <a:rPr lang="fr-MA" sz="8000" dirty="0" smtClean="0">
+                <a:solidFill>
+                  <a:srgbClr val="D8B45A"/>
+                </a:solidFill>
+                <a:hlinkClick r:id="rId2"/>
+              </a:rPr>
+              <a:t>WORK FLOW</a:t>
+            </a:r>
+            <a:endParaRPr lang="fr-FR" sz="8000" dirty="0">
+              <a:solidFill>
+                <a:srgbClr val="D8B45A"/>
+              </a:solidFill>
+            </a:endParaRPr>
+          </a:p>
+        </p:txBody>
+      </p:sp>
+      <p:sp>
+        <p:nvSpPr>
+          <p:cNvPr id="4" name="Espace réservé du numéro de diapositive 3"/>
+          <p:cNvSpPr>
+            <a:spLocks noGrp="1"/>
+          </p:cNvSpPr>
+          <p:nvPr>
+            <p:ph type="sldNum" sz="quarter" idx="12"/>
+          </p:nvPr>
+        </p:nvSpPr>
+        <p:spPr/>
+        <p:txBody>
+          <a:bodyPr/>
+          <a:lstStyle/>
+          <a:p>
+            <a:pPr rtl="0"/>
+            <a:fld id="{4FAB73BC-B049-4115-A692-8D63A059BFB8}" type="slidenum">
+              <a:rPr lang="fr-FR" noProof="0" smtClean="0"/>
+              <a:t>6</a:t>
+            </a:fld>
+            <a:endParaRPr lang="fr-FR" noProof="0"/>
+          </a:p>
+        </p:txBody>
+      </p:sp>
+    </p:spTree>
+    <p:extLst>
+      <p:ext uri="{BB962C8B-B14F-4D97-AF65-F5344CB8AC3E}">
+        <p14:creationId xmlns:p14="http://schemas.microsoft.com/office/powerpoint/2010/main" val="4008920868"/>
+      </p:ext>
+    </p:extLst>
+  </p:cSld>
+  <p:clrMapOvr>
+    <a:masterClrMapping/>
+  </p:clrMapOvr>
+  <p:timing>
+    <p:tnLst>
+      <p:par>
+        <p:cTn id="1" dur="indefinite" restart="never" nodeType="tmRoot"/>
+      </p:par>
+    </p:tnLst>
+  </p:timing>
+</p:sld>
+</file>
+
+<file path=ppt/slides/slide7.xml><?xml version="1.0" encoding="utf-8"?>
+<p:sld xmlns:a="http://schemas.openxmlformats.org/drawingml/2006/main" xmlns:r="http://schemas.openxmlformats.org/officeDocument/2006/relationships" xmlns:p="http://schemas.openxmlformats.org/presentationml/2006/main">
+  <p:cSld>
     <p:bg>
       <p:bgPr>
         <a:solidFill>
@@ -16610,7 +16672,7 @@
                 <a16:creationId xmlns:a16="http://schemas.microsoft.com/office/drawing/2014/main" id="{5C28659E-412C-4600-B45E-BAE370BC24B9}"/>
               </a:ext>
               <a:ext uri="{C183D7F6-B498-43B3-948B-1728B52AA6E4}">
-                <adec:decorative xmlns="" xmlns:adec="http://schemas.microsoft.com/office/drawing/2017/decorative" val="1"/>
+                <adec:decorative xmlns:adec="http://schemas.microsoft.com/office/drawing/2017/decorative" xmlns="" val="1"/>
               </a:ext>
             </a:extLst>
           </p:cNvPr>
@@ -16708,7 +16770,7 @@
                 <a16:creationId xmlns:a16="http://schemas.microsoft.com/office/drawing/2014/main" id="{AE95896B-6905-4618-A7DF-DED8A61FBC83}"/>
               </a:ext>
               <a:ext uri="{C183D7F6-B498-43B3-948B-1728B52AA6E4}">
-                <adec:decorative xmlns="" xmlns:adec="http://schemas.microsoft.com/office/drawing/2017/decorative" val="1"/>
+                <adec:decorative xmlns:adec="http://schemas.microsoft.com/office/drawing/2017/decorative" xmlns="" val="1"/>
               </a:ext>
             </a:extLst>
           </p:cNvPr>
@@ -16773,7 +16835,7 @@
                 <a16:creationId xmlns:a16="http://schemas.microsoft.com/office/drawing/2014/main" id="{7748BD8C-4984-4138-94CA-2DC5F39DC379}"/>
               </a:ext>
               <a:ext uri="{C183D7F6-B498-43B3-948B-1728B52AA6E4}">
-                <adec:decorative xmlns="" xmlns:adec="http://schemas.microsoft.com/office/drawing/2017/decorative" val="1"/>
+                <adec:decorative xmlns:adec="http://schemas.microsoft.com/office/drawing/2017/decorative" xmlns="" val="1"/>
               </a:ext>
             </a:extLst>
           </p:cNvPr>
@@ -17753,6 +17815,23 @@
 </file>
 
 <file path=customXml/item1.xml><?xml version="1.0" encoding="utf-8"?>
+<p:properties xmlns:p="http://schemas.microsoft.com/office/2006/metadata/properties" xmlns:xsi="http://www.w3.org/2001/XMLSchema-instance" xmlns:pc="http://schemas.microsoft.com/office/infopath/2007/PartnerControls">
+  <documentManagement>
+    <MediaServiceKeyPoints xmlns="71af3243-3dd4-4a8d-8c0d-dd76da1f02a5" xsi:nil="true"/>
+  </documentManagement>
+</p:properties>
+</file>
+
+<file path=customXml/item2.xml><?xml version="1.0" encoding="utf-8"?>
+<?mso-contentType ?>
+<FormTemplates xmlns="http://schemas.microsoft.com/sharepoint/v3/contenttype/forms">
+  <Display>DocumentLibraryForm</Display>
+  <Edit>DocumentLibraryForm</Edit>
+  <New>DocumentLibraryForm</New>
+</FormTemplates>
+</file>
+
+<file path=customXml/item3.xml><?xml version="1.0" encoding="utf-8"?>
 <ct:contentTypeSchema xmlns:ct="http://schemas.microsoft.com/office/2006/metadata/contentType" xmlns:ma="http://schemas.microsoft.com/office/2006/metadata/properties/metaAttributes" ct:_="" ma:_="" ma:contentTypeName="Document" ma:contentTypeID="0x01010079F111ED35F8CC479449609E8A0923A6" ma:contentTypeVersion="11" ma:contentTypeDescription="Create a new document." ma:contentTypeScope="" ma:versionID="1c2eb7a32e66fb6e4260f3771546a5e2">
   <xsd:schema xmlns:xsd="http://www.w3.org/2001/XMLSchema" xmlns:xs="http://www.w3.org/2001/XMLSchema" xmlns:p="http://schemas.microsoft.com/office/2006/metadata/properties" xmlns:ns2="71af3243-3dd4-4a8d-8c0d-dd76da1f02a5" xmlns:ns3="16c05727-aa75-4e4a-9b5f-8a80a1165891" targetNamespace="http://schemas.microsoft.com/office/2006/metadata/properties" ma:root="true" ma:fieldsID="04e1f6479c48b08974ba73b5ca973489" ns2:_="" ns3:_="">
     <xsd:import namespace="71af3243-3dd4-4a8d-8c0d-dd76da1f02a5"/>
@@ -17963,24 +18042,32 @@
 </ct:contentTypeSchema>
 </file>
 
-<file path=customXml/item2.xml><?xml version="1.0" encoding="utf-8"?>
-<?mso-contentType ?>
-<FormTemplates xmlns="http://schemas.microsoft.com/sharepoint/v3/contenttype/forms">
-  <Display>DocumentLibraryForm</Display>
-  <Edit>DocumentLibraryForm</Edit>
-  <New>DocumentLibraryForm</New>
-</FormTemplates>
+<file path=customXml/itemProps1.xml><?xml version="1.0" encoding="utf-8"?>
+<ds:datastoreItem xmlns:ds="http://schemas.openxmlformats.org/officeDocument/2006/customXml" ds:itemID="{3E5F63BB-8299-4DC6-BEF4-D74C2867262F}">
+  <ds:schemaRefs>
+    <ds:schemaRef ds:uri="http://www.w3.org/XML/1998/namespace"/>
+    <ds:schemaRef ds:uri="http://purl.org/dc/elements/1.1/"/>
+    <ds:schemaRef ds:uri="http://purl.org/dc/terms/"/>
+    <ds:schemaRef ds:uri="http://purl.org/dc/dcmitype/"/>
+    <ds:schemaRef ds:uri="71af3243-3dd4-4a8d-8c0d-dd76da1f02a5"/>
+    <ds:schemaRef ds:uri="http://schemas.openxmlformats.org/package/2006/metadata/core-properties"/>
+    <ds:schemaRef ds:uri="http://schemas.microsoft.com/office/2006/documentManagement/types"/>
+    <ds:schemaRef ds:uri="http://schemas.microsoft.com/office/infopath/2007/PartnerControls"/>
+    <ds:schemaRef ds:uri="16c05727-aa75-4e4a-9b5f-8a80a1165891"/>
+    <ds:schemaRef ds:uri="http://schemas.microsoft.com/office/2006/metadata/properties"/>
+  </ds:schemaRefs>
+</ds:datastoreItem>
 </file>
 
-<file path=customXml/item3.xml><?xml version="1.0" encoding="utf-8"?>
-<p:properties xmlns:p="http://schemas.microsoft.com/office/2006/metadata/properties" xmlns:xsi="http://www.w3.org/2001/XMLSchema-instance" xmlns:pc="http://schemas.microsoft.com/office/infopath/2007/PartnerControls">
-  <documentManagement>
-    <MediaServiceKeyPoints xmlns="71af3243-3dd4-4a8d-8c0d-dd76da1f02a5" xsi:nil="true"/>
-  </documentManagement>
-</p:properties>
+<file path=customXml/itemProps2.xml><?xml version="1.0" encoding="utf-8"?>
+<ds:datastoreItem xmlns:ds="http://schemas.openxmlformats.org/officeDocument/2006/customXml" ds:itemID="{D8D68FF4-BAD0-4642-AF13-8C81E6DA6F2D}">
+  <ds:schemaRefs>
+    <ds:schemaRef ds:uri="http://schemas.microsoft.com/sharepoint/v3/contenttype/forms"/>
+  </ds:schemaRefs>
+</ds:datastoreItem>
 </file>
 
-<file path=customXml/itemProps1.xml><?xml version="1.0" encoding="utf-8"?>
+<file path=customXml/itemProps3.xml><?xml version="1.0" encoding="utf-8"?>
 <ds:datastoreItem xmlns:ds="http://schemas.openxmlformats.org/officeDocument/2006/customXml" ds:itemID="{A20D8A54-1D72-4F92-B62A-7D5313FD6544}">
   <ds:schemaRefs>
     <ds:schemaRef ds:uri="http://schemas.microsoft.com/office/2006/metadata/contentType"/>
@@ -17997,29 +18084,4 @@
     <ds:schemaRef ds:uri="http://schemas.microsoft.com/internal/obd"/>
   </ds:schemaRefs>
 </ds:datastoreItem>
-</file>
-
-<file path=customXml/itemProps2.xml><?xml version="1.0" encoding="utf-8"?>
-<ds:datastoreItem xmlns:ds="http://schemas.openxmlformats.org/officeDocument/2006/customXml" ds:itemID="{D8D68FF4-BAD0-4642-AF13-8C81E6DA6F2D}">
-  <ds:schemaRefs>
-    <ds:schemaRef ds:uri="http://schemas.microsoft.com/sharepoint/v3/contenttype/forms"/>
-  </ds:schemaRefs>
-</ds:datastoreItem>
-</file>
-
-<file path=customXml/itemProps3.xml><?xml version="1.0" encoding="utf-8"?>
-<ds:datastoreItem xmlns:ds="http://schemas.openxmlformats.org/officeDocument/2006/customXml" ds:itemID="{3E5F63BB-8299-4DC6-BEF4-D74C2867262F}">
-  <ds:schemaRefs>
-    <ds:schemaRef ds:uri="http://www.w3.org/XML/1998/namespace"/>
-    <ds:schemaRef ds:uri="http://purl.org/dc/elements/1.1/"/>
-    <ds:schemaRef ds:uri="http://purl.org/dc/terms/"/>
-    <ds:schemaRef ds:uri="http://purl.org/dc/dcmitype/"/>
-    <ds:schemaRef ds:uri="71af3243-3dd4-4a8d-8c0d-dd76da1f02a5"/>
-    <ds:schemaRef ds:uri="http://schemas.openxmlformats.org/package/2006/metadata/core-properties"/>
-    <ds:schemaRef ds:uri="http://schemas.microsoft.com/office/2006/documentManagement/types"/>
-    <ds:schemaRef ds:uri="http://schemas.microsoft.com/office/infopath/2007/PartnerControls"/>
-    <ds:schemaRef ds:uri="16c05727-aa75-4e4a-9b5f-8a80a1165891"/>
-    <ds:schemaRef ds:uri="http://schemas.microsoft.com/office/2006/metadata/properties"/>
-  </ds:schemaRefs>
-</ds:datastoreItem>
 </file>